--- a/templates/SIG组申报模板 v0.2.pptx
+++ b/templates/SIG组申报模板 v0.2.pptx
@@ -14,7 +14,8 @@
     <p:sldId id="263" r:id="rId9"/>
     <p:sldId id="260" r:id="rId10"/>
     <p:sldId id="264" r:id="rId11"/>
-    <p:sldId id="258" r:id="rId12"/>
+    <p:sldId id="266" r:id="rId12"/>
+    <p:sldId id="258" r:id="rId13"/>
   </p:sldIdLst>
   <p:sldSz cx="12192000" cy="6858000"/>
   <p:notesSz cx="6858000" cy="9144000"/>
@@ -3148,6 +3149,651 @@
           <a:chExt cx="0" cy="0"/>
         </a:xfrm>
       </p:grpSpPr>
+      <p:pic>
+        <p:nvPicPr>
+          <p:cNvPr id="8" name="图片 7"/>
+          <p:cNvPicPr>
+            <a:picLocks noChangeAspect="1"/>
+          </p:cNvPicPr>
+          <p:nvPr/>
+        </p:nvPicPr>
+        <p:blipFill>
+          <a:blip r:embed="rId1" cstate="print">
+            <a:extLst>
+              <a:ext uri="{28A0092B-C50C-407E-A947-70E740481C1C}">
+                <a14:useLocalDpi xmlns:a14="http://schemas.microsoft.com/office/drawing/2010/main" val="0"/>
+              </a:ext>
+            </a:extLst>
+          </a:blip>
+          <a:stretch>
+            <a:fillRect/>
+          </a:stretch>
+        </p:blipFill>
+        <p:spPr>
+          <a:xfrm>
+            <a:off x="10137202" y="6042990"/>
+            <a:ext cx="1312676" cy="348426"/>
+          </a:xfrm>
+          <a:prstGeom prst="rect">
+            <a:avLst/>
+          </a:prstGeom>
+        </p:spPr>
+      </p:pic>
+      <p:sp>
+        <p:nvSpPr>
+          <p:cNvPr id="17" name="文本框 16"/>
+          <p:cNvSpPr txBox="1"/>
+          <p:nvPr/>
+        </p:nvSpPr>
+        <p:spPr>
+          <a:xfrm>
+            <a:off x="620201" y="6130454"/>
+            <a:ext cx="1547218" cy="246221"/>
+          </a:xfrm>
+          <a:prstGeom prst="rect">
+            <a:avLst/>
+          </a:prstGeom>
+          <a:noFill/>
+        </p:spPr>
+        <p:txBody>
+          <a:bodyPr wrap="none" rtlCol="0">
+            <a:spAutoFit/>
+          </a:bodyPr>
+          <a:lstStyle/>
+          <a:p>
+            <a:r>
+              <a:rPr lang="en-US" altLang="zh-CN" sz="1000" dirty="0">
+                <a:solidFill>
+                  <a:schemeClr val="bg1">
+                    <a:lumMod val="50000"/>
+                  </a:schemeClr>
+                </a:solidFill>
+                <a:latin typeface="+mj-ea"/>
+                <a:ea typeface="+mj-ea"/>
+                <a:cs typeface="Arial" panose="020B0604020202020204" pitchFamily="34" charset="0"/>
+              </a:rPr>
+              <a:t>https://gitcode.com/cann</a:t>
+            </a:r>
+            <a:endParaRPr lang="zh-CN" altLang="en-US" sz="1000" dirty="0">
+              <a:solidFill>
+                <a:schemeClr val="bg1">
+                  <a:lumMod val="50000"/>
+                </a:schemeClr>
+              </a:solidFill>
+              <a:latin typeface="+mj-ea"/>
+              <a:ea typeface="+mj-ea"/>
+              <a:cs typeface="Arial" panose="020B0604020202020204" pitchFamily="34" charset="0"/>
+            </a:endParaRPr>
+          </a:p>
+        </p:txBody>
+      </p:sp>
+      <p:sp>
+        <p:nvSpPr>
+          <p:cNvPr id="16" name="副标题 1"/>
+          <p:cNvSpPr txBox="1"/>
+          <p:nvPr/>
+        </p:nvSpPr>
+        <p:spPr>
+          <a:xfrm>
+            <a:off x="729615" y="326390"/>
+            <a:ext cx="11099165" cy="581025"/>
+          </a:xfrm>
+          <a:prstGeom prst="rect">
+            <a:avLst/>
+          </a:prstGeom>
+        </p:spPr>
+        <p:txBody>
+          <a:bodyPr lIns="0" tIns="0" rIns="0" bIns="0" anchor="ctr" anchorCtr="0">
+            <a:normAutofit/>
+          </a:bodyPr>
+          <a:lstStyle>
+            <a:lvl1pPr marL="0" indent="0" algn="l" defTabSz="1187450" rtl="0" eaLnBrk="1" latinLnBrk="0" hangingPunct="1">
+              <a:lnSpc>
+                <a:spcPts val="3430"/>
+              </a:lnSpc>
+              <a:spcBef>
+                <a:spcPts val="0"/>
+              </a:spcBef>
+              <a:buFont typeface="Arial" panose="020B0604020202020204" pitchFamily="34" charset="0"/>
+              <a:buNone/>
+              <a:defRPr sz="2400" kern="1200" baseline="0">
+                <a:solidFill>
+                  <a:schemeClr val="tx1"/>
+                </a:solidFill>
+                <a:latin typeface="Arial" panose="020B0604020202020204" pitchFamily="34" charset="0"/>
+                <a:ea typeface="微软雅黑" panose="020B0503020204020204" pitchFamily="34" charset="-122"/>
+                <a:cs typeface="Arial" panose="020B0604020202020204" pitchFamily="34" charset="0"/>
+              </a:defRPr>
+            </a:lvl1pPr>
+            <a:lvl2pPr marL="593725" indent="0" algn="ctr" defTabSz="1187450" rtl="0" eaLnBrk="1" latinLnBrk="0" hangingPunct="1">
+              <a:lnSpc>
+                <a:spcPct val="90000"/>
+              </a:lnSpc>
+              <a:spcBef>
+                <a:spcPts val="650"/>
+              </a:spcBef>
+              <a:buFont typeface="Arial" panose="020B0604020202020204" pitchFamily="34" charset="0"/>
+              <a:buNone/>
+              <a:defRPr sz="2595" kern="1200">
+                <a:solidFill>
+                  <a:schemeClr val="tx1"/>
+                </a:solidFill>
+                <a:latin typeface="+mn-lt"/>
+                <a:ea typeface="+mn-ea"/>
+                <a:cs typeface="+mn-cs"/>
+              </a:defRPr>
+            </a:lvl2pPr>
+            <a:lvl3pPr marL="1187450" indent="0" algn="ctr" defTabSz="1187450" rtl="0" eaLnBrk="1" latinLnBrk="0" hangingPunct="1">
+              <a:lnSpc>
+                <a:spcPct val="90000"/>
+              </a:lnSpc>
+              <a:spcBef>
+                <a:spcPts val="650"/>
+              </a:spcBef>
+              <a:buFont typeface="Arial" panose="020B0604020202020204" pitchFamily="34" charset="0"/>
+              <a:buNone/>
+              <a:defRPr sz="2335" kern="1200">
+                <a:solidFill>
+                  <a:schemeClr val="tx1"/>
+                </a:solidFill>
+                <a:latin typeface="+mn-lt"/>
+                <a:ea typeface="+mn-ea"/>
+                <a:cs typeface="+mn-cs"/>
+              </a:defRPr>
+            </a:lvl3pPr>
+            <a:lvl4pPr marL="1781175" indent="0" algn="ctr" defTabSz="1187450" rtl="0" eaLnBrk="1" latinLnBrk="0" hangingPunct="1">
+              <a:lnSpc>
+                <a:spcPct val="90000"/>
+              </a:lnSpc>
+              <a:spcBef>
+                <a:spcPts val="650"/>
+              </a:spcBef>
+              <a:buFont typeface="Arial" panose="020B0604020202020204" pitchFamily="34" charset="0"/>
+              <a:buNone/>
+              <a:defRPr sz="2080" kern="1200">
+                <a:solidFill>
+                  <a:schemeClr val="tx1"/>
+                </a:solidFill>
+                <a:latin typeface="+mn-lt"/>
+                <a:ea typeface="+mn-ea"/>
+                <a:cs typeface="+mn-cs"/>
+              </a:defRPr>
+            </a:lvl4pPr>
+            <a:lvl5pPr marL="2374900" indent="0" algn="ctr" defTabSz="1187450" rtl="0" eaLnBrk="1" latinLnBrk="0" hangingPunct="1">
+              <a:lnSpc>
+                <a:spcPct val="90000"/>
+              </a:lnSpc>
+              <a:spcBef>
+                <a:spcPts val="650"/>
+              </a:spcBef>
+              <a:buFont typeface="Arial" panose="020B0604020202020204" pitchFamily="34" charset="0"/>
+              <a:buNone/>
+              <a:defRPr sz="2080" kern="1200">
+                <a:solidFill>
+                  <a:schemeClr val="tx1"/>
+                </a:solidFill>
+                <a:latin typeface="+mn-lt"/>
+                <a:ea typeface="+mn-ea"/>
+                <a:cs typeface="+mn-cs"/>
+              </a:defRPr>
+            </a:lvl5pPr>
+            <a:lvl6pPr marL="2967990" indent="0" algn="ctr" defTabSz="1187450" rtl="0" eaLnBrk="1" latinLnBrk="0" hangingPunct="1">
+              <a:lnSpc>
+                <a:spcPct val="90000"/>
+              </a:lnSpc>
+              <a:spcBef>
+                <a:spcPts val="650"/>
+              </a:spcBef>
+              <a:buFont typeface="Arial" panose="020B0604020202020204" pitchFamily="34" charset="0"/>
+              <a:buNone/>
+              <a:defRPr sz="2080" kern="1200">
+                <a:solidFill>
+                  <a:schemeClr val="tx1"/>
+                </a:solidFill>
+                <a:latin typeface="+mn-lt"/>
+                <a:ea typeface="+mn-ea"/>
+                <a:cs typeface="+mn-cs"/>
+              </a:defRPr>
+            </a:lvl6pPr>
+            <a:lvl7pPr marL="3561715" indent="0" algn="ctr" defTabSz="1187450" rtl="0" eaLnBrk="1" latinLnBrk="0" hangingPunct="1">
+              <a:lnSpc>
+                <a:spcPct val="90000"/>
+              </a:lnSpc>
+              <a:spcBef>
+                <a:spcPts val="650"/>
+              </a:spcBef>
+              <a:buFont typeface="Arial" panose="020B0604020202020204" pitchFamily="34" charset="0"/>
+              <a:buNone/>
+              <a:defRPr sz="2080" kern="1200">
+                <a:solidFill>
+                  <a:schemeClr val="tx1"/>
+                </a:solidFill>
+                <a:latin typeface="+mn-lt"/>
+                <a:ea typeface="+mn-ea"/>
+                <a:cs typeface="+mn-cs"/>
+              </a:defRPr>
+            </a:lvl7pPr>
+            <a:lvl8pPr marL="4155440" indent="0" algn="ctr" defTabSz="1187450" rtl="0" eaLnBrk="1" latinLnBrk="0" hangingPunct="1">
+              <a:lnSpc>
+                <a:spcPct val="90000"/>
+              </a:lnSpc>
+              <a:spcBef>
+                <a:spcPts val="650"/>
+              </a:spcBef>
+              <a:buFont typeface="Arial" panose="020B0604020202020204" pitchFamily="34" charset="0"/>
+              <a:buNone/>
+              <a:defRPr sz="2080" kern="1200">
+                <a:solidFill>
+                  <a:schemeClr val="tx1"/>
+                </a:solidFill>
+                <a:latin typeface="+mn-lt"/>
+                <a:ea typeface="+mn-ea"/>
+                <a:cs typeface="+mn-cs"/>
+              </a:defRPr>
+            </a:lvl8pPr>
+            <a:lvl9pPr marL="4749165" indent="0" algn="ctr" defTabSz="1187450" rtl="0" eaLnBrk="1" latinLnBrk="0" hangingPunct="1">
+              <a:lnSpc>
+                <a:spcPct val="90000"/>
+              </a:lnSpc>
+              <a:spcBef>
+                <a:spcPts val="650"/>
+              </a:spcBef>
+              <a:buFont typeface="Arial" panose="020B0604020202020204" pitchFamily="34" charset="0"/>
+              <a:buNone/>
+              <a:defRPr sz="2080" kern="1200">
+                <a:solidFill>
+                  <a:schemeClr val="tx1"/>
+                </a:solidFill>
+                <a:latin typeface="+mn-lt"/>
+                <a:ea typeface="+mn-ea"/>
+                <a:cs typeface="+mn-cs"/>
+              </a:defRPr>
+            </a:lvl9pPr>
+          </a:lstStyle>
+          <a:p>
+            <a:pPr>
+              <a:defRPr/>
+            </a:pPr>
+            <a:r>
+              <a:rPr lang="zh-CN" sz="2800" b="1" dirty="0">
+                <a:solidFill>
+                  <a:srgbClr val="C00000"/>
+                </a:solidFill>
+                <a:latin typeface="微软雅黑" panose="020B0503020204020204" pitchFamily="34" charset="-122"/>
+                <a:ea typeface="微软雅黑" panose="020B0503020204020204" pitchFamily="34" charset="-122"/>
+              </a:rPr>
+              <a:t>附录</a:t>
+            </a:r>
+            <a:endParaRPr lang="zh-CN" sz="2400" b="1" dirty="0">
+              <a:solidFill>
+                <a:srgbClr val="C00000"/>
+              </a:solidFill>
+            </a:endParaRPr>
+          </a:p>
+        </p:txBody>
+      </p:sp>
+      <p:sp>
+        <p:nvSpPr>
+          <p:cNvPr id="3" name="文本框 2"/>
+          <p:cNvSpPr txBox="1"/>
+          <p:nvPr/>
+        </p:nvSpPr>
+        <p:spPr>
+          <a:xfrm>
+            <a:off x="729615" y="1191986"/>
+            <a:ext cx="10720263" cy="2030095"/>
+          </a:xfrm>
+          <a:prstGeom prst="rect">
+            <a:avLst/>
+          </a:prstGeom>
+          <a:noFill/>
+        </p:spPr>
+        <p:txBody>
+          <a:bodyPr wrap="square" rtlCol="0">
+            <a:spAutoFit/>
+          </a:bodyPr>
+          <a:lstStyle/>
+          <a:p>
+            <a:r>
+              <a:rPr lang="zh-CN" altLang="en-US" b="1" dirty="0">
+                <a:ea typeface="+mn-lt"/>
+                <a:cs typeface="+mn-lt"/>
+              </a:rPr>
+              <a:t>新建</a:t>
+            </a:r>
+            <a:r>
+              <a:rPr lang="en-US" altLang="zh-CN" b="1" dirty="0">
+                <a:ea typeface="+mn-lt"/>
+                <a:cs typeface="+mn-lt"/>
+              </a:rPr>
+              <a:t>sig</a:t>
+            </a:r>
+            <a:r>
+              <a:rPr lang="zh-CN" altLang="en-US" b="1" dirty="0">
+                <a:ea typeface="+mn-lt"/>
+                <a:cs typeface="+mn-lt"/>
+              </a:rPr>
+              <a:t>命名规范：</a:t>
+            </a:r>
+            <a:endParaRPr lang="zh-CN" altLang="en-US" b="1" dirty="0">
+              <a:ea typeface="+mn-lt"/>
+              <a:cs typeface="+mn-lt"/>
+            </a:endParaRPr>
+          </a:p>
+          <a:p>
+            <a:pPr indent="457200"/>
+            <a:r>
+              <a:rPr lang="en-US" altLang="zh-CN" dirty="0">
+                <a:ea typeface="+mn-lt"/>
+                <a:cs typeface="+mn-lt"/>
+              </a:rPr>
+              <a:t>1</a:t>
+            </a:r>
+            <a:r>
+              <a:rPr lang="zh-CN" altLang="en-US" dirty="0">
+                <a:ea typeface="+mn-lt"/>
+                <a:cs typeface="+mn-lt"/>
+              </a:rPr>
+              <a:t>、简洁清晰：一眼看懂领域</a:t>
+            </a:r>
+            <a:r>
+              <a:rPr lang="en-US" altLang="zh-CN" dirty="0">
+                <a:ea typeface="+mn-lt"/>
+                <a:cs typeface="+mn-lt"/>
+              </a:rPr>
+              <a:t>/</a:t>
+            </a:r>
+            <a:r>
+              <a:rPr lang="zh-CN" altLang="en-US" dirty="0">
+                <a:ea typeface="+mn-lt"/>
+                <a:cs typeface="+mn-lt"/>
+              </a:rPr>
+              <a:t>职责，无歧义。</a:t>
+            </a:r>
+            <a:endParaRPr lang="zh-CN" altLang="en-US" dirty="0">
+              <a:ea typeface="+mn-lt"/>
+              <a:cs typeface="+mn-lt"/>
+            </a:endParaRPr>
+          </a:p>
+          <a:p>
+            <a:pPr indent="457200"/>
+            <a:r>
+              <a:rPr lang="en-US" altLang="zh-CN" dirty="0">
+                <a:ea typeface="+mn-lt"/>
+                <a:cs typeface="+mn-lt"/>
+              </a:rPr>
+              <a:t>2</a:t>
+            </a:r>
+            <a:r>
+              <a:rPr lang="zh-CN" altLang="en-US" dirty="0">
+                <a:ea typeface="+mn-lt"/>
+                <a:cs typeface="+mn-lt"/>
+              </a:rPr>
+              <a:t>、名词优先：建议优先使用名词</a:t>
+            </a:r>
+            <a:r>
+              <a:rPr lang="en-US" altLang="zh-CN" dirty="0">
+                <a:ea typeface="+mn-lt"/>
+                <a:cs typeface="+mn-lt"/>
+              </a:rPr>
+              <a:t>/</a:t>
+            </a:r>
+            <a:r>
+              <a:rPr lang="zh-CN" altLang="en-US" dirty="0">
+                <a:ea typeface="+mn-lt"/>
+                <a:cs typeface="+mn-lt"/>
+              </a:rPr>
+              <a:t>名词短语，少动词、形容词。</a:t>
+            </a:r>
+            <a:endParaRPr lang="zh-CN" altLang="en-US" dirty="0">
+              <a:ea typeface="+mn-lt"/>
+              <a:cs typeface="+mn-lt"/>
+            </a:endParaRPr>
+          </a:p>
+          <a:p>
+            <a:pPr indent="457200"/>
+            <a:r>
+              <a:rPr lang="en-US" altLang="zh-CN" dirty="0">
+                <a:ea typeface="+mn-lt"/>
+                <a:cs typeface="+mn-lt"/>
+              </a:rPr>
+              <a:t>3</a:t>
+            </a:r>
+            <a:r>
+              <a:rPr lang="zh-CN" altLang="en-US" dirty="0">
+                <a:ea typeface="+mn-lt"/>
+                <a:cs typeface="+mn-lt"/>
+              </a:rPr>
+              <a:t>、统一格式：原则上应全小写，中划线分割（</a:t>
+            </a:r>
+            <a:r>
+              <a:rPr lang="en-US" altLang="zh-CN" dirty="0">
+                <a:ea typeface="+mn-lt"/>
+                <a:cs typeface="+mn-lt"/>
+              </a:rPr>
+              <a:t>lower-with-hyphen</a:t>
+            </a:r>
+            <a:r>
+              <a:rPr lang="zh-CN" altLang="en-US" dirty="0">
+                <a:ea typeface="+mn-lt"/>
+                <a:cs typeface="+mn-lt"/>
+              </a:rPr>
+              <a:t>），无空格</a:t>
+            </a:r>
+            <a:r>
+              <a:rPr lang="en-US" altLang="zh-CN" dirty="0">
+                <a:ea typeface="+mn-lt"/>
+                <a:cs typeface="+mn-lt"/>
+              </a:rPr>
+              <a:t>/</a:t>
+            </a:r>
+            <a:r>
+              <a:rPr lang="zh-CN" altLang="en-US" dirty="0">
+                <a:ea typeface="+mn-lt"/>
+                <a:cs typeface="+mn-lt"/>
+              </a:rPr>
+              <a:t>下划线</a:t>
+            </a:r>
+            <a:r>
+              <a:rPr lang="en-US" altLang="zh-CN" dirty="0">
+                <a:ea typeface="+mn-lt"/>
+                <a:cs typeface="+mn-lt"/>
+              </a:rPr>
+              <a:t>/</a:t>
+            </a:r>
+            <a:r>
+              <a:rPr lang="zh-CN" altLang="en-US" dirty="0">
+                <a:ea typeface="+mn-lt"/>
+                <a:cs typeface="+mn-lt"/>
+              </a:rPr>
+              <a:t>驼峰</a:t>
+            </a:r>
+            <a:r>
+              <a:rPr lang="en-US" altLang="zh-CN" dirty="0">
+                <a:ea typeface="+mn-lt"/>
+                <a:cs typeface="+mn-lt"/>
+              </a:rPr>
+              <a:t>/</a:t>
+            </a:r>
+            <a:r>
+              <a:rPr lang="zh-CN" altLang="en-US" dirty="0">
+                <a:ea typeface="+mn-lt"/>
+                <a:cs typeface="+mn-lt"/>
+              </a:rPr>
+              <a:t>特殊字符，单词数量建议不超过</a:t>
+            </a:r>
+            <a:r>
+              <a:rPr lang="en-US" altLang="zh-CN" dirty="0">
+                <a:ea typeface="+mn-lt"/>
+                <a:cs typeface="+mn-lt"/>
+              </a:rPr>
+              <a:t>3</a:t>
+            </a:r>
+            <a:r>
+              <a:rPr lang="zh-CN" altLang="en-US" dirty="0">
+                <a:ea typeface="+mn-lt"/>
+                <a:cs typeface="+mn-lt"/>
+              </a:rPr>
+              <a:t>个。</a:t>
+            </a:r>
+            <a:endParaRPr lang="zh-CN" altLang="en-US" dirty="0">
+              <a:ea typeface="+mn-lt"/>
+              <a:cs typeface="+mn-lt"/>
+            </a:endParaRPr>
+          </a:p>
+          <a:p>
+            <a:pPr indent="457200"/>
+            <a:r>
+              <a:rPr lang="en-US" altLang="zh-CN" dirty="0">
+                <a:ea typeface="+mn-lt"/>
+                <a:cs typeface="+mn-lt"/>
+              </a:rPr>
+              <a:t>4</a:t>
+            </a:r>
+            <a:r>
+              <a:rPr lang="zh-CN" altLang="en-US" dirty="0">
+                <a:ea typeface="+mn-lt"/>
+                <a:cs typeface="+mn-lt"/>
+              </a:rPr>
+              <a:t>、唯一不重复：不与现有</a:t>
+            </a:r>
+            <a:r>
+              <a:rPr lang="en-US" altLang="zh-CN" dirty="0">
+                <a:ea typeface="+mn-lt"/>
+                <a:cs typeface="+mn-lt"/>
+              </a:rPr>
+              <a:t>SIG</a:t>
+            </a:r>
+            <a:r>
+              <a:rPr lang="zh-CN" altLang="en-US" dirty="0">
+                <a:ea typeface="+mn-lt"/>
+                <a:cs typeface="+mn-lt"/>
+              </a:rPr>
+              <a:t>、项目重名。</a:t>
+            </a:r>
+            <a:endParaRPr lang="zh-CN" altLang="en-US" dirty="0">
+              <a:ea typeface="+mn-lt"/>
+              <a:cs typeface="+mn-lt"/>
+            </a:endParaRPr>
+          </a:p>
+          <a:p>
+            <a:pPr indent="457200"/>
+            <a:r>
+              <a:rPr lang="en-US" altLang="zh-CN" dirty="0">
+                <a:ea typeface="+mn-lt"/>
+                <a:cs typeface="+mn-lt"/>
+              </a:rPr>
+              <a:t>5</a:t>
+            </a:r>
+            <a:r>
+              <a:rPr lang="zh-CN" altLang="en-US" dirty="0">
+                <a:ea typeface="+mn-lt"/>
+                <a:cs typeface="+mn-lt"/>
+              </a:rPr>
+              <a:t>、命名格式：</a:t>
+            </a:r>
+            <a:r>
+              <a:rPr lang="en-US" altLang="zh-CN" dirty="0">
+                <a:ea typeface="+mn-lt"/>
+                <a:cs typeface="+mn-lt"/>
+              </a:rPr>
+              <a:t>&lt;</a:t>
+            </a:r>
+            <a:r>
+              <a:rPr lang="zh-CN" altLang="en-US" dirty="0">
+                <a:ea typeface="+mn-lt"/>
+                <a:cs typeface="+mn-lt"/>
+              </a:rPr>
+              <a:t>领域</a:t>
+            </a:r>
+            <a:r>
+              <a:rPr lang="en-US" altLang="zh-CN" dirty="0">
+                <a:ea typeface="+mn-lt"/>
+                <a:cs typeface="+mn-lt"/>
+              </a:rPr>
+              <a:t>/</a:t>
+            </a:r>
+            <a:r>
+              <a:rPr lang="zh-CN" altLang="en-US" dirty="0">
+                <a:ea typeface="+mn-lt"/>
+                <a:cs typeface="+mn-lt"/>
+              </a:rPr>
+              <a:t>主题</a:t>
+            </a:r>
+            <a:r>
+              <a:rPr lang="en-US" altLang="zh-CN" dirty="0">
+                <a:ea typeface="+mn-lt"/>
+                <a:cs typeface="+mn-lt"/>
+              </a:rPr>
+              <a:t>&gt;</a:t>
+            </a:r>
+            <a:r>
+              <a:rPr lang="zh-CN" altLang="en-US" dirty="0">
+                <a:ea typeface="+mn-lt"/>
+                <a:cs typeface="+mn-lt"/>
+              </a:rPr>
+              <a:t>，例如</a:t>
+            </a:r>
+            <a:r>
+              <a:rPr lang="en-US" altLang="zh-CN" dirty="0">
+                <a:ea typeface="+mn-lt"/>
+                <a:cs typeface="+mn-lt"/>
+              </a:rPr>
+              <a:t>hccl</a:t>
+            </a:r>
+            <a:r>
+              <a:rPr lang="zh-CN" altLang="en-US" dirty="0">
+                <a:ea typeface="+mn-lt"/>
+                <a:cs typeface="+mn-lt"/>
+              </a:rPr>
+              <a:t>、</a:t>
+            </a:r>
+            <a:r>
+              <a:rPr lang="en-US" altLang="zh-CN" dirty="0">
+                <a:ea typeface="+mn-lt"/>
+                <a:cs typeface="+mn-lt"/>
+              </a:rPr>
+              <a:t>ops-basic</a:t>
+            </a:r>
+            <a:r>
+              <a:rPr lang="zh-CN" altLang="en-US" dirty="0">
+                <a:ea typeface="+mn-lt"/>
+                <a:cs typeface="+mn-lt"/>
+              </a:rPr>
+              <a:t>。</a:t>
+            </a:r>
+            <a:endParaRPr lang="zh-CN" altLang="en-US" dirty="0">
+              <a:ea typeface="+mn-lt"/>
+              <a:cs typeface="+mn-lt"/>
+            </a:endParaRPr>
+          </a:p>
+        </p:txBody>
+      </p:sp>
+    </p:spTree>
+  </p:cSld>
+  <p:clrMapOvr>
+    <a:masterClrMapping/>
+  </p:clrMapOvr>
+</p:sld>
+</file>
+
+<file path=ppt/slides/slide11.xml><?xml version="1.0" encoding="utf-8"?>
+<p:sld xmlns:a="http://schemas.openxmlformats.org/drawingml/2006/main" xmlns:r="http://schemas.openxmlformats.org/officeDocument/2006/relationships" xmlns:p="http://schemas.openxmlformats.org/presentationml/2006/main">
+  <p:cSld>
+    <p:spTree>
+      <p:nvGrpSpPr>
+        <p:cNvPr id="1" name=""/>
+        <p:cNvGrpSpPr/>
+        <p:nvPr/>
+      </p:nvGrpSpPr>
+      <p:grpSpPr>
+        <a:xfrm>
+          <a:off x="0" y="0"/>
+          <a:ext cx="0" cy="0"/>
+          <a:chOff x="0" y="0"/>
+          <a:chExt cx="0" cy="0"/>
+        </a:xfrm>
+      </p:grpSpPr>
       <p:sp>
         <p:nvSpPr>
           <p:cNvPr id="2" name="文本框 1"/>
@@ -3218,8 +3864,8 @@
                     <a:lumMod val="50000"/>
                   </a:schemeClr>
                 </a:solidFill>
-                <a:latin typeface="宋体" pitchFamily="2" charset="-122"/>
-                <a:ea typeface="宋体" pitchFamily="2" charset="-122"/>
+                <a:latin typeface="宋体" panose="02010600030101010101" pitchFamily="2" charset="-122"/>
+                <a:ea typeface="宋体" panose="02010600030101010101" pitchFamily="2" charset="-122"/>
                 <a:cs typeface="Arial" panose="020B0604020202020204" pitchFamily="34" charset="0"/>
               </a:rPr>
               <a:t>社区愿景：打造开放易用、技术领先的</a:t>
@@ -3231,8 +3877,8 @@
                     <a:lumMod val="50000"/>
                   </a:schemeClr>
                 </a:solidFill>
-                <a:latin typeface="宋体" pitchFamily="2" charset="-122"/>
-                <a:ea typeface="宋体" pitchFamily="2" charset="-122"/>
+                <a:latin typeface="宋体" panose="02010600030101010101" pitchFamily="2" charset="-122"/>
+                <a:ea typeface="宋体" panose="02010600030101010101" pitchFamily="2" charset="-122"/>
                 <a:cs typeface="Arial" panose="020B0604020202020204" pitchFamily="34" charset="0"/>
               </a:rPr>
               <a:t>AI</a:t>
@@ -3244,8 +3890,8 @@
                     <a:lumMod val="50000"/>
                   </a:schemeClr>
                 </a:solidFill>
-                <a:latin typeface="宋体" pitchFamily="2" charset="-122"/>
-                <a:ea typeface="宋体" pitchFamily="2" charset="-122"/>
+                <a:latin typeface="宋体" panose="02010600030101010101" pitchFamily="2" charset="-122"/>
+                <a:ea typeface="宋体" panose="02010600030101010101" pitchFamily="2" charset="-122"/>
                 <a:cs typeface="Arial" panose="020B0604020202020204" pitchFamily="34" charset="0"/>
               </a:rPr>
               <a:t>算力新生态</a:t>
@@ -3256,8 +3902,8 @@
                   <a:lumMod val="50000"/>
                 </a:schemeClr>
               </a:solidFill>
-              <a:latin typeface="宋体" pitchFamily="2" charset="-122"/>
-              <a:ea typeface="宋体" pitchFamily="2" charset="-122"/>
+              <a:latin typeface="宋体" panose="02010600030101010101" pitchFamily="2" charset="-122"/>
+              <a:ea typeface="宋体" panose="02010600030101010101" pitchFamily="2" charset="-122"/>
               <a:cs typeface="Arial" panose="020B0604020202020204" pitchFamily="34" charset="0"/>
             </a:endParaRPr>
           </a:p>
@@ -3274,8 +3920,8 @@
                     <a:lumMod val="50000"/>
                   </a:schemeClr>
                 </a:solidFill>
-                <a:latin typeface="宋体" pitchFamily="2" charset="-122"/>
-                <a:ea typeface="宋体" pitchFamily="2" charset="-122"/>
+                <a:latin typeface="宋体" panose="02010600030101010101" pitchFamily="2" charset="-122"/>
+                <a:ea typeface="宋体" panose="02010600030101010101" pitchFamily="2" charset="-122"/>
                 <a:cs typeface="Arial" panose="020B0604020202020204" pitchFamily="34" charset="0"/>
               </a:rPr>
               <a:t>社区使命：使能开发者基于</a:t>
@@ -3287,8 +3933,8 @@
                     <a:lumMod val="50000"/>
                   </a:schemeClr>
                 </a:solidFill>
-                <a:latin typeface="宋体" pitchFamily="2" charset="-122"/>
-                <a:ea typeface="宋体" pitchFamily="2" charset="-122"/>
+                <a:latin typeface="宋体" panose="02010600030101010101" pitchFamily="2" charset="-122"/>
+                <a:ea typeface="宋体" panose="02010600030101010101" pitchFamily="2" charset="-122"/>
                 <a:cs typeface="Arial" panose="020B0604020202020204" pitchFamily="34" charset="0"/>
               </a:rPr>
               <a:t>CANN</a:t>
@@ -3300,8 +3946,8 @@
                     <a:lumMod val="50000"/>
                   </a:schemeClr>
                 </a:solidFill>
-                <a:latin typeface="宋体" pitchFamily="2" charset="-122"/>
-                <a:ea typeface="宋体" pitchFamily="2" charset="-122"/>
+                <a:latin typeface="宋体" panose="02010600030101010101" pitchFamily="2" charset="-122"/>
+                <a:ea typeface="宋体" panose="02010600030101010101" pitchFamily="2" charset="-122"/>
                 <a:cs typeface="Arial" panose="020B0604020202020204" pitchFamily="34" charset="0"/>
               </a:rPr>
               <a:t>社区自主研究创新，构筑根深叶茂、跨产业协同共享共赢的</a:t>
@@ -3313,8 +3959,8 @@
                     <a:lumMod val="50000"/>
                   </a:schemeClr>
                 </a:solidFill>
-                <a:latin typeface="宋体" pitchFamily="2" charset="-122"/>
-                <a:ea typeface="宋体" pitchFamily="2" charset="-122"/>
+                <a:latin typeface="宋体" panose="02010600030101010101" pitchFamily="2" charset="-122"/>
+                <a:ea typeface="宋体" panose="02010600030101010101" pitchFamily="2" charset="-122"/>
                 <a:cs typeface="Arial" panose="020B0604020202020204" pitchFamily="34" charset="0"/>
               </a:rPr>
               <a:t>CANN</a:t>
@@ -3326,8 +3972,8 @@
                     <a:lumMod val="50000"/>
                   </a:schemeClr>
                 </a:solidFill>
-                <a:latin typeface="宋体" pitchFamily="2" charset="-122"/>
-                <a:ea typeface="宋体" pitchFamily="2" charset="-122"/>
+                <a:latin typeface="宋体" panose="02010600030101010101" pitchFamily="2" charset="-122"/>
+                <a:ea typeface="宋体" panose="02010600030101010101" pitchFamily="2" charset="-122"/>
                 <a:cs typeface="Arial" panose="020B0604020202020204" pitchFamily="34" charset="0"/>
               </a:rPr>
               <a:t>生态</a:t>
@@ -3338,8 +3984,8 @@
                   <a:lumMod val="50000"/>
                 </a:schemeClr>
               </a:solidFill>
-              <a:latin typeface="宋体" pitchFamily="2" charset="-122"/>
-              <a:ea typeface="宋体" pitchFamily="2" charset="-122"/>
+              <a:latin typeface="宋体" panose="02010600030101010101" pitchFamily="2" charset="-122"/>
+              <a:ea typeface="宋体" panose="02010600030101010101" pitchFamily="2" charset="-122"/>
               <a:cs typeface="Arial" panose="020B0604020202020204" pitchFamily="34" charset="0"/>
             </a:endParaRPr>
           </a:p>
@@ -3713,7 +4359,7 @@
                 <a:uLnTx/>
                 <a:uFillTx/>
                 <a:latin typeface="微软雅黑" panose="020B0503020204020204" pitchFamily="34" charset="-122"/>
-                <a:ea typeface="微软雅黑"/>
+                <a:ea typeface="微软雅黑" panose="020B0503020204020204" pitchFamily="34" charset="-122"/>
                 <a:cs typeface="+mn-cs"/>
                 <a:sym typeface="微软雅黑" panose="020B0503020204020204" pitchFamily="34" charset="-122"/>
               </a:rPr>
@@ -3732,7 +4378,7 @@
               <a:uLnTx/>
               <a:uFillTx/>
               <a:latin typeface="微软雅黑" panose="020B0503020204020204" pitchFamily="34" charset="-122"/>
-              <a:ea typeface="微软雅黑"/>
+              <a:ea typeface="微软雅黑" panose="020B0503020204020204" pitchFamily="34" charset="-122"/>
               <a:cs typeface="+mn-cs"/>
               <a:sym typeface="微软雅黑" panose="020B0503020204020204" pitchFamily="34" charset="-122"/>
             </a:endParaRPr>
@@ -3794,7 +4440,7 @@
                     <a:schemeClr val="bg1"/>
                   </a:solidFill>
                   <a:latin typeface="微软雅黑" panose="020B0503020204020204" pitchFamily="34" charset="-122"/>
-                  <a:ea typeface="微软雅黑"/>
+                  <a:ea typeface="微软雅黑" panose="020B0503020204020204" pitchFamily="34" charset="-122"/>
                 </a:rPr>
                 <a:t>Part 1 SIG</a:t>
               </a:r>
@@ -3804,7 +4450,7 @@
                     <a:schemeClr val="bg1"/>
                   </a:solidFill>
                   <a:latin typeface="微软雅黑" panose="020B0503020204020204" pitchFamily="34" charset="-122"/>
-                  <a:ea typeface="微软雅黑"/>
+                  <a:ea typeface="微软雅黑" panose="020B0503020204020204" pitchFamily="34" charset="-122"/>
                 </a:rPr>
                 <a:t>组介绍</a:t>
               </a:r>
@@ -3813,7 +4459,7 @@
                   <a:schemeClr val="bg1"/>
                 </a:solidFill>
                 <a:latin typeface="微软雅黑" panose="020B0503020204020204" pitchFamily="34" charset="-122"/>
-                <a:ea typeface="微软雅黑"/>
+                <a:ea typeface="微软雅黑" panose="020B0503020204020204" pitchFamily="34" charset="-122"/>
               </a:endParaRPr>
             </a:p>
           </p:txBody>
@@ -3884,7 +4530,7 @@
                   <a:uLnTx/>
                   <a:uFillTx/>
                   <a:latin typeface="微软雅黑" panose="020B0503020204020204" pitchFamily="34" charset="-122"/>
-                  <a:ea typeface="微软雅黑"/>
+                  <a:ea typeface="微软雅黑" panose="020B0503020204020204" pitchFamily="34" charset="-122"/>
                   <a:cs typeface="+mn-cs"/>
                 </a:rPr>
                 <a:t>Part 2 SIG</a:t>
@@ -3903,7 +4549,7 @@
                   <a:uLnTx/>
                   <a:uFillTx/>
                   <a:latin typeface="微软雅黑" panose="020B0503020204020204" pitchFamily="34" charset="-122"/>
-                  <a:ea typeface="微软雅黑"/>
+                  <a:ea typeface="微软雅黑" panose="020B0503020204020204" pitchFamily="34" charset="-122"/>
                   <a:cs typeface="+mn-cs"/>
                 </a:rPr>
                 <a:t>组结构</a:t>
@@ -3921,7 +4567,7 @@
                 <a:uLnTx/>
                 <a:uFillTx/>
                 <a:latin typeface="微软雅黑" panose="020B0503020204020204" pitchFamily="34" charset="-122"/>
-                <a:ea typeface="微软雅黑"/>
+                <a:ea typeface="微软雅黑" panose="020B0503020204020204" pitchFamily="34" charset="-122"/>
                 <a:cs typeface="+mn-cs"/>
               </a:endParaRPr>
             </a:p>
@@ -3972,7 +4618,7 @@
                     </a:srgbClr>
                   </a:solidFill>
                   <a:latin typeface="微软雅黑" panose="020B0503020204020204" pitchFamily="34" charset="-122"/>
-                  <a:ea typeface="微软雅黑"/>
+                  <a:ea typeface="微软雅黑" panose="020B0503020204020204" pitchFamily="34" charset="-122"/>
                 </a:rPr>
                 <a:t>Part 3 </a:t>
               </a:r>
@@ -3984,7 +4630,7 @@
                     </a:srgbClr>
                   </a:solidFill>
                   <a:latin typeface="微软雅黑" panose="020B0503020204020204" pitchFamily="34" charset="-122"/>
-                  <a:ea typeface="微软雅黑"/>
+                  <a:ea typeface="微软雅黑" panose="020B0503020204020204" pitchFamily="34" charset="-122"/>
                 </a:rPr>
                 <a:t>竞争力描述</a:t>
               </a:r>
@@ -3995,7 +4641,7 @@
                   </a:srgbClr>
                 </a:solidFill>
                 <a:latin typeface="微软雅黑" panose="020B0503020204020204" pitchFamily="34" charset="-122"/>
-                <a:ea typeface="微软雅黑"/>
+                <a:ea typeface="微软雅黑" panose="020B0503020204020204" pitchFamily="34" charset="-122"/>
               </a:endParaRPr>
             </a:p>
           </p:txBody>
@@ -4531,6 +5177,51 @@
           </a:p>
         </p:txBody>
       </p:sp>
+      <p:sp>
+        <p:nvSpPr>
+          <p:cNvPr id="3" name="文本框 2"/>
+          <p:cNvSpPr txBox="1"/>
+          <p:nvPr/>
+        </p:nvSpPr>
+        <p:spPr>
+          <a:xfrm>
+            <a:off x="897890" y="3516630"/>
+            <a:ext cx="4064000" cy="306705"/>
+          </a:xfrm>
+          <a:prstGeom prst="rect">
+            <a:avLst/>
+          </a:prstGeom>
+          <a:noFill/>
+        </p:spPr>
+        <p:txBody>
+          <a:bodyPr wrap="square" rtlCol="0">
+            <a:spAutoFit/>
+          </a:bodyPr>
+          <a:p>
+            <a:r>
+              <a:rPr lang="zh-CN" altLang="en-US" sz="1400"/>
+              <a:t>备注：新建</a:t>
+            </a:r>
+            <a:r>
+              <a:rPr lang="en-US" altLang="zh-CN" sz="1400"/>
+              <a:t>sig</a:t>
+            </a:r>
+            <a:r>
+              <a:rPr lang="zh-CN" altLang="en-US" sz="1400"/>
+              <a:t>命名规范请参考</a:t>
+            </a:r>
+            <a:r>
+              <a:rPr lang="en-US" altLang="zh-CN" sz="1400"/>
+              <a:t>P10</a:t>
+            </a:r>
+            <a:r>
+              <a:rPr lang="zh-CN" altLang="en-US" sz="1400"/>
+              <a:t>附录</a:t>
+            </a:r>
+            <a:endParaRPr lang="zh-CN" altLang="en-US" sz="1400"/>
+          </a:p>
+        </p:txBody>
+      </p:sp>
     </p:spTree>
   </p:cSld>
   <p:clrMapOvr>
@@ -5825,7 +6516,7 @@
                 <a:solidFill>
                   <a:srgbClr val="C00000"/>
                 </a:solidFill>
-                <a:latin typeface="微软雅黑" charset="0"/>
+                <a:latin typeface="微软雅黑" panose="020B0503020204020204" pitchFamily="34" charset="-122"/>
                 <a:ea typeface="微软雅黑" panose="020B0503020204020204" pitchFamily="34" charset="-122"/>
               </a:rPr>
               <a:t> 仓介绍</a:t>
@@ -6992,7 +7683,7 @@
         </p:nvGraphicFramePr>
         <p:xfrm>
           <a:off x="729596" y="1372808"/>
-          <a:ext cx="10720070" cy="2856230"/>
+          <a:ext cx="10720070" cy="2856292"/>
         </p:xfrm>
         <a:graphic>
           <a:graphicData uri="http://schemas.openxmlformats.org/drawingml/2006/table">
